--- a/Peace & Mind.pptx
+++ b/Peace & Mind.pptx
@@ -4,6 +4,9 @@
   <p:sldMasterIdLst>
     <p:sldMasterId id="2147483840" r:id="rId1"/>
   </p:sldMasterIdLst>
+  <p:notesMasterIdLst>
+    <p:notesMasterId r:id="rId9"/>
+  </p:notesMasterIdLst>
   <p:sldIdLst>
     <p:sldId id="256" r:id="rId2"/>
     <p:sldId id="257" r:id="rId3"/>
@@ -110,7 +113,894 @@
       </a:defRPr>
     </a:lvl9pPr>
   </p:defaultTextStyle>
+  <p:extLst>
+    <p:ext uri="{EFAFB233-063F-42B5-8137-9DF3F51BA10A}">
+      <p15:sldGuideLst xmlns:p15="http://schemas.microsoft.com/office/powerpoint/2012/main"/>
+    </p:ext>
+  </p:extLst>
 </p:presentation>
+</file>
+
+<file path=ppt/notesMasters/notesMaster1.xml><?xml version="1.0" encoding="utf-8"?>
+<p:notesMaster xmlns:a="http://schemas.openxmlformats.org/drawingml/2006/main" xmlns:r="http://schemas.openxmlformats.org/officeDocument/2006/relationships" xmlns:p="http://schemas.openxmlformats.org/presentationml/2006/main">
+  <p:cSld>
+    <p:bg>
+      <p:bgRef idx="1001">
+        <a:schemeClr val="bg1"/>
+      </p:bgRef>
+    </p:bg>
+    <p:spTree>
+      <p:nvGrpSpPr>
+        <p:cNvPr id="1" name=""/>
+        <p:cNvGrpSpPr/>
+        <p:nvPr/>
+      </p:nvGrpSpPr>
+      <p:grpSpPr>
+        <a:xfrm>
+          <a:off x="0" y="0"/>
+          <a:ext cx="0" cy="0"/>
+          <a:chOff x="0" y="0"/>
+          <a:chExt cx="0" cy="0"/>
+        </a:xfrm>
+      </p:grpSpPr>
+      <p:sp>
+        <p:nvSpPr>
+          <p:cNvPr id="2" name="Header Placeholder 1"/>
+          <p:cNvSpPr>
+            <a:spLocks noGrp="1"/>
+          </p:cNvSpPr>
+          <p:nvPr>
+            <p:ph type="hdr" sz="quarter"/>
+          </p:nvPr>
+        </p:nvSpPr>
+        <p:spPr>
+          <a:xfrm>
+            <a:off x="0" y="0"/>
+            <a:ext cx="2971800" cy="458788"/>
+          </a:xfrm>
+          <a:prstGeom prst="rect">
+            <a:avLst/>
+          </a:prstGeom>
+        </p:spPr>
+        <p:txBody>
+          <a:bodyPr vert="horz" lIns="91440" tIns="45720" rIns="91440" bIns="45720" rtlCol="0"/>
+          <a:lstStyle>
+            <a:lvl1pPr algn="l">
+              <a:defRPr sz="1200"/>
+            </a:lvl1pPr>
+          </a:lstStyle>
+          <a:p>
+            <a:endParaRPr lang="en-US"/>
+          </a:p>
+        </p:txBody>
+      </p:sp>
+      <p:sp>
+        <p:nvSpPr>
+          <p:cNvPr id="3" name="Date Placeholder 2"/>
+          <p:cNvSpPr>
+            <a:spLocks noGrp="1"/>
+          </p:cNvSpPr>
+          <p:nvPr>
+            <p:ph type="dt" idx="1"/>
+          </p:nvPr>
+        </p:nvSpPr>
+        <p:spPr>
+          <a:xfrm>
+            <a:off x="3884613" y="0"/>
+            <a:ext cx="2971800" cy="458788"/>
+          </a:xfrm>
+          <a:prstGeom prst="rect">
+            <a:avLst/>
+          </a:prstGeom>
+        </p:spPr>
+        <p:txBody>
+          <a:bodyPr vert="horz" lIns="91440" tIns="45720" rIns="91440" bIns="45720" rtlCol="0"/>
+          <a:lstStyle>
+            <a:lvl1pPr algn="r">
+              <a:defRPr sz="1200"/>
+            </a:lvl1pPr>
+          </a:lstStyle>
+          <a:p>
+            <a:fld id="{7F290171-6C1B-4F96-9E49-65DB7FFD99C6}" type="datetimeFigureOut">
+              <a:rPr lang="en-US" smtClean="0"/>
+              <a:t>1/8/2021</a:t>
+            </a:fld>
+            <a:endParaRPr lang="en-US"/>
+          </a:p>
+        </p:txBody>
+      </p:sp>
+      <p:sp>
+        <p:nvSpPr>
+          <p:cNvPr id="4" name="Slide Image Placeholder 3"/>
+          <p:cNvSpPr>
+            <a:spLocks noGrp="1" noRot="1" noChangeAspect="1"/>
+          </p:cNvSpPr>
+          <p:nvPr>
+            <p:ph type="sldImg" idx="2"/>
+          </p:nvPr>
+        </p:nvSpPr>
+        <p:spPr>
+          <a:xfrm>
+            <a:off x="685800" y="1143000"/>
+            <a:ext cx="5486400" cy="3086100"/>
+          </a:xfrm>
+          <a:prstGeom prst="rect">
+            <a:avLst/>
+          </a:prstGeom>
+          <a:noFill/>
+          <a:ln w="12700">
+            <a:solidFill>
+              <a:prstClr val="black"/>
+            </a:solidFill>
+          </a:ln>
+        </p:spPr>
+        <p:txBody>
+          <a:bodyPr vert="horz" lIns="91440" tIns="45720" rIns="91440" bIns="45720" rtlCol="0" anchor="ctr"/>
+          <a:lstStyle/>
+          <a:p>
+            <a:endParaRPr lang="en-US"/>
+          </a:p>
+        </p:txBody>
+      </p:sp>
+      <p:sp>
+        <p:nvSpPr>
+          <p:cNvPr id="5" name="Notes Placeholder 4"/>
+          <p:cNvSpPr>
+            <a:spLocks noGrp="1"/>
+          </p:cNvSpPr>
+          <p:nvPr>
+            <p:ph type="body" sz="quarter" idx="3"/>
+          </p:nvPr>
+        </p:nvSpPr>
+        <p:spPr>
+          <a:xfrm>
+            <a:off x="685800" y="4400550"/>
+            <a:ext cx="5486400" cy="3600450"/>
+          </a:xfrm>
+          <a:prstGeom prst="rect">
+            <a:avLst/>
+          </a:prstGeom>
+        </p:spPr>
+        <p:txBody>
+          <a:bodyPr vert="horz" lIns="91440" tIns="45720" rIns="91440" bIns="45720" rtlCol="0"/>
+          <a:lstStyle/>
+          <a:p>
+            <a:pPr lvl="0"/>
+            <a:r>
+              <a:rPr lang="en-US" smtClean="0"/>
+              <a:t>Click to edit Master text styles</a:t>
+            </a:r>
+          </a:p>
+          <a:p>
+            <a:pPr lvl="1"/>
+            <a:r>
+              <a:rPr lang="en-US" smtClean="0"/>
+              <a:t>Second level</a:t>
+            </a:r>
+          </a:p>
+          <a:p>
+            <a:pPr lvl="2"/>
+            <a:r>
+              <a:rPr lang="en-US" smtClean="0"/>
+              <a:t>Third level</a:t>
+            </a:r>
+          </a:p>
+          <a:p>
+            <a:pPr lvl="3"/>
+            <a:r>
+              <a:rPr lang="en-US" smtClean="0"/>
+              <a:t>Fourth level</a:t>
+            </a:r>
+          </a:p>
+          <a:p>
+            <a:pPr lvl="4"/>
+            <a:r>
+              <a:rPr lang="en-US" smtClean="0"/>
+              <a:t>Fifth level</a:t>
+            </a:r>
+            <a:endParaRPr lang="en-US"/>
+          </a:p>
+        </p:txBody>
+      </p:sp>
+      <p:sp>
+        <p:nvSpPr>
+          <p:cNvPr id="6" name="Footer Placeholder 5"/>
+          <p:cNvSpPr>
+            <a:spLocks noGrp="1"/>
+          </p:cNvSpPr>
+          <p:nvPr>
+            <p:ph type="ftr" sz="quarter" idx="4"/>
+          </p:nvPr>
+        </p:nvSpPr>
+        <p:spPr>
+          <a:xfrm>
+            <a:off x="0" y="8685213"/>
+            <a:ext cx="2971800" cy="458787"/>
+          </a:xfrm>
+          <a:prstGeom prst="rect">
+            <a:avLst/>
+          </a:prstGeom>
+        </p:spPr>
+        <p:txBody>
+          <a:bodyPr vert="horz" lIns="91440" tIns="45720" rIns="91440" bIns="45720" rtlCol="0" anchor="b"/>
+          <a:lstStyle>
+            <a:lvl1pPr algn="l">
+              <a:defRPr sz="1200"/>
+            </a:lvl1pPr>
+          </a:lstStyle>
+          <a:p>
+            <a:endParaRPr lang="en-US"/>
+          </a:p>
+        </p:txBody>
+      </p:sp>
+      <p:sp>
+        <p:nvSpPr>
+          <p:cNvPr id="7" name="Slide Number Placeholder 6"/>
+          <p:cNvSpPr>
+            <a:spLocks noGrp="1"/>
+          </p:cNvSpPr>
+          <p:nvPr>
+            <p:ph type="sldNum" sz="quarter" idx="5"/>
+          </p:nvPr>
+        </p:nvSpPr>
+        <p:spPr>
+          <a:xfrm>
+            <a:off x="3884613" y="8685213"/>
+            <a:ext cx="2971800" cy="458787"/>
+          </a:xfrm>
+          <a:prstGeom prst="rect">
+            <a:avLst/>
+          </a:prstGeom>
+        </p:spPr>
+        <p:txBody>
+          <a:bodyPr vert="horz" lIns="91440" tIns="45720" rIns="91440" bIns="45720" rtlCol="0" anchor="b"/>
+          <a:lstStyle>
+            <a:lvl1pPr algn="r">
+              <a:defRPr sz="1200"/>
+            </a:lvl1pPr>
+          </a:lstStyle>
+          <a:p>
+            <a:fld id="{84801F63-B3ED-4FF3-B4E4-048765542ABD}" type="slidenum">
+              <a:rPr lang="en-US" smtClean="0"/>
+              <a:t>‹#›</a:t>
+            </a:fld>
+            <a:endParaRPr lang="en-US"/>
+          </a:p>
+        </p:txBody>
+      </p:sp>
+    </p:spTree>
+    <p:extLst>
+      <p:ext uri="{BB962C8B-B14F-4D97-AF65-F5344CB8AC3E}">
+        <p14:creationId xmlns:p14="http://schemas.microsoft.com/office/powerpoint/2010/main" val="2954757918"/>
+      </p:ext>
+    </p:extLst>
+  </p:cSld>
+  <p:clrMap bg1="lt1" tx1="dk1" bg2="lt2" tx2="dk2" accent1="accent1" accent2="accent2" accent3="accent3" accent4="accent4" accent5="accent5" accent6="accent6" hlink="hlink" folHlink="folHlink"/>
+  <p:notesStyle>
+    <a:lvl1pPr marL="0" algn="l" defTabSz="914400" rtl="0" eaLnBrk="1" latinLnBrk="0" hangingPunct="1">
+      <a:defRPr sz="1200" kern="1200">
+        <a:solidFill>
+          <a:schemeClr val="tx1"/>
+        </a:solidFill>
+        <a:latin typeface="+mn-lt"/>
+        <a:ea typeface="+mn-ea"/>
+        <a:cs typeface="+mn-cs"/>
+      </a:defRPr>
+    </a:lvl1pPr>
+    <a:lvl2pPr marL="457200" algn="l" defTabSz="914400" rtl="0" eaLnBrk="1" latinLnBrk="0" hangingPunct="1">
+      <a:defRPr sz="1200" kern="1200">
+        <a:solidFill>
+          <a:schemeClr val="tx1"/>
+        </a:solidFill>
+        <a:latin typeface="+mn-lt"/>
+        <a:ea typeface="+mn-ea"/>
+        <a:cs typeface="+mn-cs"/>
+      </a:defRPr>
+    </a:lvl2pPr>
+    <a:lvl3pPr marL="914400" algn="l" defTabSz="914400" rtl="0" eaLnBrk="1" latinLnBrk="0" hangingPunct="1">
+      <a:defRPr sz="1200" kern="1200">
+        <a:solidFill>
+          <a:schemeClr val="tx1"/>
+        </a:solidFill>
+        <a:latin typeface="+mn-lt"/>
+        <a:ea typeface="+mn-ea"/>
+        <a:cs typeface="+mn-cs"/>
+      </a:defRPr>
+    </a:lvl3pPr>
+    <a:lvl4pPr marL="1371600" algn="l" defTabSz="914400" rtl="0" eaLnBrk="1" latinLnBrk="0" hangingPunct="1">
+      <a:defRPr sz="1200" kern="1200">
+        <a:solidFill>
+          <a:schemeClr val="tx1"/>
+        </a:solidFill>
+        <a:latin typeface="+mn-lt"/>
+        <a:ea typeface="+mn-ea"/>
+        <a:cs typeface="+mn-cs"/>
+      </a:defRPr>
+    </a:lvl4pPr>
+    <a:lvl5pPr marL="1828800" algn="l" defTabSz="914400" rtl="0" eaLnBrk="1" latinLnBrk="0" hangingPunct="1">
+      <a:defRPr sz="1200" kern="1200">
+        <a:solidFill>
+          <a:schemeClr val="tx1"/>
+        </a:solidFill>
+        <a:latin typeface="+mn-lt"/>
+        <a:ea typeface="+mn-ea"/>
+        <a:cs typeface="+mn-cs"/>
+      </a:defRPr>
+    </a:lvl5pPr>
+    <a:lvl6pPr marL="2286000" algn="l" defTabSz="914400" rtl="0" eaLnBrk="1" latinLnBrk="0" hangingPunct="1">
+      <a:defRPr sz="1200" kern="1200">
+        <a:solidFill>
+          <a:schemeClr val="tx1"/>
+        </a:solidFill>
+        <a:latin typeface="+mn-lt"/>
+        <a:ea typeface="+mn-ea"/>
+        <a:cs typeface="+mn-cs"/>
+      </a:defRPr>
+    </a:lvl6pPr>
+    <a:lvl7pPr marL="2743200" algn="l" defTabSz="914400" rtl="0" eaLnBrk="1" latinLnBrk="0" hangingPunct="1">
+      <a:defRPr sz="1200" kern="1200">
+        <a:solidFill>
+          <a:schemeClr val="tx1"/>
+        </a:solidFill>
+        <a:latin typeface="+mn-lt"/>
+        <a:ea typeface="+mn-ea"/>
+        <a:cs typeface="+mn-cs"/>
+      </a:defRPr>
+    </a:lvl7pPr>
+    <a:lvl8pPr marL="3200400" algn="l" defTabSz="914400" rtl="0" eaLnBrk="1" latinLnBrk="0" hangingPunct="1">
+      <a:defRPr sz="1200" kern="1200">
+        <a:solidFill>
+          <a:schemeClr val="tx1"/>
+        </a:solidFill>
+        <a:latin typeface="+mn-lt"/>
+        <a:ea typeface="+mn-ea"/>
+        <a:cs typeface="+mn-cs"/>
+      </a:defRPr>
+    </a:lvl8pPr>
+    <a:lvl9pPr marL="3657600" algn="l" defTabSz="914400" rtl="0" eaLnBrk="1" latinLnBrk="0" hangingPunct="1">
+      <a:defRPr sz="1200" kern="1200">
+        <a:solidFill>
+          <a:schemeClr val="tx1"/>
+        </a:solidFill>
+        <a:latin typeface="+mn-lt"/>
+        <a:ea typeface="+mn-ea"/>
+        <a:cs typeface="+mn-cs"/>
+      </a:defRPr>
+    </a:lvl9pPr>
+  </p:notesStyle>
+</p:notesMaster>
+</file>
+
+<file path=ppt/notesSlides/notesSlide1.xml><?xml version="1.0" encoding="utf-8"?>
+<p:notes xmlns:a="http://schemas.openxmlformats.org/drawingml/2006/main" xmlns:r="http://schemas.openxmlformats.org/officeDocument/2006/relationships" xmlns:p="http://schemas.openxmlformats.org/presentationml/2006/main">
+  <p:cSld>
+    <p:spTree>
+      <p:nvGrpSpPr>
+        <p:cNvPr id="1" name=""/>
+        <p:cNvGrpSpPr/>
+        <p:nvPr/>
+      </p:nvGrpSpPr>
+      <p:grpSpPr>
+        <a:xfrm>
+          <a:off x="0" y="0"/>
+          <a:ext cx="0" cy="0"/>
+          <a:chOff x="0" y="0"/>
+          <a:chExt cx="0" cy="0"/>
+        </a:xfrm>
+      </p:grpSpPr>
+      <p:sp>
+        <p:nvSpPr>
+          <p:cNvPr id="2" name="Slide Image Placeholder 1"/>
+          <p:cNvSpPr>
+            <a:spLocks noGrp="1" noRot="1" noChangeAspect="1"/>
+          </p:cNvSpPr>
+          <p:nvPr>
+            <p:ph type="sldImg"/>
+          </p:nvPr>
+        </p:nvSpPr>
+        <p:spPr/>
+      </p:sp>
+      <p:sp>
+        <p:nvSpPr>
+          <p:cNvPr id="3" name="Notes Placeholder 2"/>
+          <p:cNvSpPr>
+            <a:spLocks noGrp="1"/>
+          </p:cNvSpPr>
+          <p:nvPr>
+            <p:ph type="body" idx="1"/>
+          </p:nvPr>
+        </p:nvSpPr>
+        <p:spPr/>
+        <p:txBody>
+          <a:bodyPr/>
+          <a:lstStyle/>
+          <a:p>
+            <a:r>
+              <a:rPr lang="en-US" dirty="0" smtClean="0"/>
+              <a:t>sim</a:t>
+            </a:r>
+            <a:endParaRPr lang="en-US" dirty="0"/>
+          </a:p>
+        </p:txBody>
+      </p:sp>
+      <p:sp>
+        <p:nvSpPr>
+          <p:cNvPr id="4" name="Slide Number Placeholder 3"/>
+          <p:cNvSpPr>
+            <a:spLocks noGrp="1"/>
+          </p:cNvSpPr>
+          <p:nvPr>
+            <p:ph type="sldNum" sz="quarter" idx="10"/>
+          </p:nvPr>
+        </p:nvSpPr>
+        <p:spPr/>
+        <p:txBody>
+          <a:bodyPr/>
+          <a:lstStyle/>
+          <a:p>
+            <a:fld id="{84801F63-B3ED-4FF3-B4E4-048765542ABD}" type="slidenum">
+              <a:rPr lang="en-US" smtClean="0"/>
+              <a:t>1</a:t>
+            </a:fld>
+            <a:endParaRPr lang="en-US"/>
+          </a:p>
+        </p:txBody>
+      </p:sp>
+    </p:spTree>
+    <p:extLst>
+      <p:ext uri="{BB962C8B-B14F-4D97-AF65-F5344CB8AC3E}">
+        <p14:creationId xmlns:p14="http://schemas.microsoft.com/office/powerpoint/2010/main" val="4274722285"/>
+      </p:ext>
+    </p:extLst>
+  </p:cSld>
+  <p:clrMapOvr>
+    <a:masterClrMapping/>
+  </p:clrMapOvr>
+</p:notes>
+</file>
+
+<file path=ppt/notesSlides/notesSlide2.xml><?xml version="1.0" encoding="utf-8"?>
+<p:notes xmlns:a="http://schemas.openxmlformats.org/drawingml/2006/main" xmlns:r="http://schemas.openxmlformats.org/officeDocument/2006/relationships" xmlns:p="http://schemas.openxmlformats.org/presentationml/2006/main">
+  <p:cSld>
+    <p:spTree>
+      <p:nvGrpSpPr>
+        <p:cNvPr id="1" name=""/>
+        <p:cNvGrpSpPr/>
+        <p:nvPr/>
+      </p:nvGrpSpPr>
+      <p:grpSpPr>
+        <a:xfrm>
+          <a:off x="0" y="0"/>
+          <a:ext cx="0" cy="0"/>
+          <a:chOff x="0" y="0"/>
+          <a:chExt cx="0" cy="0"/>
+        </a:xfrm>
+      </p:grpSpPr>
+      <p:sp>
+        <p:nvSpPr>
+          <p:cNvPr id="2" name="Slide Image Placeholder 1"/>
+          <p:cNvSpPr>
+            <a:spLocks noGrp="1" noRot="1" noChangeAspect="1"/>
+          </p:cNvSpPr>
+          <p:nvPr>
+            <p:ph type="sldImg"/>
+          </p:nvPr>
+        </p:nvSpPr>
+        <p:spPr/>
+      </p:sp>
+      <p:sp>
+        <p:nvSpPr>
+          <p:cNvPr id="3" name="Notes Placeholder 2"/>
+          <p:cNvSpPr>
+            <a:spLocks noGrp="1"/>
+          </p:cNvSpPr>
+          <p:nvPr>
+            <p:ph type="body" idx="1"/>
+          </p:nvPr>
+        </p:nvSpPr>
+        <p:spPr/>
+        <p:txBody>
+          <a:bodyPr/>
+          <a:lstStyle/>
+          <a:p>
+            <a:r>
+              <a:rPr lang="en-US" dirty="0" smtClean="0"/>
+              <a:t>Sim</a:t>
+            </a:r>
+            <a:r>
+              <a:rPr lang="en-US" baseline="0" dirty="0" smtClean="0"/>
+              <a:t> </a:t>
+            </a:r>
+            <a:endParaRPr lang="en-US" dirty="0"/>
+          </a:p>
+        </p:txBody>
+      </p:sp>
+      <p:sp>
+        <p:nvSpPr>
+          <p:cNvPr id="4" name="Slide Number Placeholder 3"/>
+          <p:cNvSpPr>
+            <a:spLocks noGrp="1"/>
+          </p:cNvSpPr>
+          <p:nvPr>
+            <p:ph type="sldNum" sz="quarter" idx="10"/>
+          </p:nvPr>
+        </p:nvSpPr>
+        <p:spPr/>
+        <p:txBody>
+          <a:bodyPr/>
+          <a:lstStyle/>
+          <a:p>
+            <a:fld id="{84801F63-B3ED-4FF3-B4E4-048765542ABD}" type="slidenum">
+              <a:rPr lang="en-US" smtClean="0"/>
+              <a:t>2</a:t>
+            </a:fld>
+            <a:endParaRPr lang="en-US"/>
+          </a:p>
+        </p:txBody>
+      </p:sp>
+    </p:spTree>
+    <p:extLst>
+      <p:ext uri="{BB962C8B-B14F-4D97-AF65-F5344CB8AC3E}">
+        <p14:creationId xmlns:p14="http://schemas.microsoft.com/office/powerpoint/2010/main" val="2760352722"/>
+      </p:ext>
+    </p:extLst>
+  </p:cSld>
+  <p:clrMapOvr>
+    <a:masterClrMapping/>
+  </p:clrMapOvr>
+</p:notes>
+</file>
+
+<file path=ppt/notesSlides/notesSlide3.xml><?xml version="1.0" encoding="utf-8"?>
+<p:notes xmlns:a="http://schemas.openxmlformats.org/drawingml/2006/main" xmlns:r="http://schemas.openxmlformats.org/officeDocument/2006/relationships" xmlns:p="http://schemas.openxmlformats.org/presentationml/2006/main">
+  <p:cSld>
+    <p:spTree>
+      <p:nvGrpSpPr>
+        <p:cNvPr id="1" name=""/>
+        <p:cNvGrpSpPr/>
+        <p:nvPr/>
+      </p:nvGrpSpPr>
+      <p:grpSpPr>
+        <a:xfrm>
+          <a:off x="0" y="0"/>
+          <a:ext cx="0" cy="0"/>
+          <a:chOff x="0" y="0"/>
+          <a:chExt cx="0" cy="0"/>
+        </a:xfrm>
+      </p:grpSpPr>
+      <p:sp>
+        <p:nvSpPr>
+          <p:cNvPr id="2" name="Slide Image Placeholder 1"/>
+          <p:cNvSpPr>
+            <a:spLocks noGrp="1" noRot="1" noChangeAspect="1"/>
+          </p:cNvSpPr>
+          <p:nvPr>
+            <p:ph type="sldImg"/>
+          </p:nvPr>
+        </p:nvSpPr>
+        <p:spPr/>
+      </p:sp>
+      <p:sp>
+        <p:nvSpPr>
+          <p:cNvPr id="3" name="Notes Placeholder 2"/>
+          <p:cNvSpPr>
+            <a:spLocks noGrp="1"/>
+          </p:cNvSpPr>
+          <p:nvPr>
+            <p:ph type="body" idx="1"/>
+          </p:nvPr>
+        </p:nvSpPr>
+        <p:spPr/>
+        <p:txBody>
+          <a:bodyPr/>
+          <a:lstStyle/>
+          <a:p>
+            <a:r>
+              <a:rPr lang="en-US" dirty="0" err="1" smtClean="0"/>
+              <a:t>dennis</a:t>
+            </a:r>
+            <a:endParaRPr lang="en-US" dirty="0"/>
+          </a:p>
+        </p:txBody>
+      </p:sp>
+      <p:sp>
+        <p:nvSpPr>
+          <p:cNvPr id="4" name="Slide Number Placeholder 3"/>
+          <p:cNvSpPr>
+            <a:spLocks noGrp="1"/>
+          </p:cNvSpPr>
+          <p:nvPr>
+            <p:ph type="sldNum" sz="quarter" idx="10"/>
+          </p:nvPr>
+        </p:nvSpPr>
+        <p:spPr/>
+        <p:txBody>
+          <a:bodyPr/>
+          <a:lstStyle/>
+          <a:p>
+            <a:fld id="{84801F63-B3ED-4FF3-B4E4-048765542ABD}" type="slidenum">
+              <a:rPr lang="en-US" smtClean="0"/>
+              <a:t>3</a:t>
+            </a:fld>
+            <a:endParaRPr lang="en-US"/>
+          </a:p>
+        </p:txBody>
+      </p:sp>
+    </p:spTree>
+    <p:extLst>
+      <p:ext uri="{BB962C8B-B14F-4D97-AF65-F5344CB8AC3E}">
+        <p14:creationId xmlns:p14="http://schemas.microsoft.com/office/powerpoint/2010/main" val="1493105239"/>
+      </p:ext>
+    </p:extLst>
+  </p:cSld>
+  <p:clrMapOvr>
+    <a:masterClrMapping/>
+  </p:clrMapOvr>
+</p:notes>
+</file>
+
+<file path=ppt/notesSlides/notesSlide4.xml><?xml version="1.0" encoding="utf-8"?>
+<p:notes xmlns:a="http://schemas.openxmlformats.org/drawingml/2006/main" xmlns:r="http://schemas.openxmlformats.org/officeDocument/2006/relationships" xmlns:p="http://schemas.openxmlformats.org/presentationml/2006/main">
+  <p:cSld>
+    <p:spTree>
+      <p:nvGrpSpPr>
+        <p:cNvPr id="1" name=""/>
+        <p:cNvGrpSpPr/>
+        <p:nvPr/>
+      </p:nvGrpSpPr>
+      <p:grpSpPr>
+        <a:xfrm>
+          <a:off x="0" y="0"/>
+          <a:ext cx="0" cy="0"/>
+          <a:chOff x="0" y="0"/>
+          <a:chExt cx="0" cy="0"/>
+        </a:xfrm>
+      </p:grpSpPr>
+      <p:sp>
+        <p:nvSpPr>
+          <p:cNvPr id="2" name="Slide Image Placeholder 1"/>
+          <p:cNvSpPr>
+            <a:spLocks noGrp="1" noRot="1" noChangeAspect="1"/>
+          </p:cNvSpPr>
+          <p:nvPr>
+            <p:ph type="sldImg"/>
+          </p:nvPr>
+        </p:nvSpPr>
+        <p:spPr/>
+      </p:sp>
+      <p:sp>
+        <p:nvSpPr>
+          <p:cNvPr id="3" name="Notes Placeholder 2"/>
+          <p:cNvSpPr>
+            <a:spLocks noGrp="1"/>
+          </p:cNvSpPr>
+          <p:nvPr>
+            <p:ph type="body" idx="1"/>
+          </p:nvPr>
+        </p:nvSpPr>
+        <p:spPr/>
+        <p:txBody>
+          <a:bodyPr/>
+          <a:lstStyle/>
+          <a:p>
+            <a:r>
+              <a:rPr lang="en-US" dirty="0" err="1" smtClean="0"/>
+              <a:t>tyler</a:t>
+            </a:r>
+            <a:endParaRPr lang="en-US" dirty="0"/>
+          </a:p>
+        </p:txBody>
+      </p:sp>
+      <p:sp>
+        <p:nvSpPr>
+          <p:cNvPr id="4" name="Slide Number Placeholder 3"/>
+          <p:cNvSpPr>
+            <a:spLocks noGrp="1"/>
+          </p:cNvSpPr>
+          <p:nvPr>
+            <p:ph type="sldNum" sz="quarter" idx="10"/>
+          </p:nvPr>
+        </p:nvSpPr>
+        <p:spPr/>
+        <p:txBody>
+          <a:bodyPr/>
+          <a:lstStyle/>
+          <a:p>
+            <a:fld id="{84801F63-B3ED-4FF3-B4E4-048765542ABD}" type="slidenum">
+              <a:rPr lang="en-US" smtClean="0"/>
+              <a:t>4</a:t>
+            </a:fld>
+            <a:endParaRPr lang="en-US"/>
+          </a:p>
+        </p:txBody>
+      </p:sp>
+    </p:spTree>
+    <p:extLst>
+      <p:ext uri="{BB962C8B-B14F-4D97-AF65-F5344CB8AC3E}">
+        <p14:creationId xmlns:p14="http://schemas.microsoft.com/office/powerpoint/2010/main" val="3264413025"/>
+      </p:ext>
+    </p:extLst>
+  </p:cSld>
+  <p:clrMapOvr>
+    <a:masterClrMapping/>
+  </p:clrMapOvr>
+</p:notes>
+</file>
+
+<file path=ppt/notesSlides/notesSlide5.xml><?xml version="1.0" encoding="utf-8"?>
+<p:notes xmlns:a="http://schemas.openxmlformats.org/drawingml/2006/main" xmlns:r="http://schemas.openxmlformats.org/officeDocument/2006/relationships" xmlns:p="http://schemas.openxmlformats.org/presentationml/2006/main">
+  <p:cSld>
+    <p:spTree>
+      <p:nvGrpSpPr>
+        <p:cNvPr id="1" name=""/>
+        <p:cNvGrpSpPr/>
+        <p:nvPr/>
+      </p:nvGrpSpPr>
+      <p:grpSpPr>
+        <a:xfrm>
+          <a:off x="0" y="0"/>
+          <a:ext cx="0" cy="0"/>
+          <a:chOff x="0" y="0"/>
+          <a:chExt cx="0" cy="0"/>
+        </a:xfrm>
+      </p:grpSpPr>
+      <p:sp>
+        <p:nvSpPr>
+          <p:cNvPr id="2" name="Slide Image Placeholder 1"/>
+          <p:cNvSpPr>
+            <a:spLocks noGrp="1" noRot="1" noChangeAspect="1"/>
+          </p:cNvSpPr>
+          <p:nvPr>
+            <p:ph type="sldImg"/>
+          </p:nvPr>
+        </p:nvSpPr>
+        <p:spPr/>
+      </p:sp>
+      <p:sp>
+        <p:nvSpPr>
+          <p:cNvPr id="3" name="Notes Placeholder 2"/>
+          <p:cNvSpPr>
+            <a:spLocks noGrp="1"/>
+          </p:cNvSpPr>
+          <p:nvPr>
+            <p:ph type="body" idx="1"/>
+          </p:nvPr>
+        </p:nvSpPr>
+        <p:spPr/>
+        <p:txBody>
+          <a:bodyPr/>
+          <a:lstStyle/>
+          <a:p>
+            <a:r>
+              <a:rPr lang="en-US" dirty="0" smtClean="0"/>
+              <a:t>Caitlin</a:t>
+            </a:r>
+            <a:endParaRPr lang="en-US" dirty="0"/>
+          </a:p>
+        </p:txBody>
+      </p:sp>
+      <p:sp>
+        <p:nvSpPr>
+          <p:cNvPr id="4" name="Slide Number Placeholder 3"/>
+          <p:cNvSpPr>
+            <a:spLocks noGrp="1"/>
+          </p:cNvSpPr>
+          <p:nvPr>
+            <p:ph type="sldNum" sz="quarter" idx="10"/>
+          </p:nvPr>
+        </p:nvSpPr>
+        <p:spPr/>
+        <p:txBody>
+          <a:bodyPr/>
+          <a:lstStyle/>
+          <a:p>
+            <a:fld id="{84801F63-B3ED-4FF3-B4E4-048765542ABD}" type="slidenum">
+              <a:rPr lang="en-US" smtClean="0"/>
+              <a:t>5</a:t>
+            </a:fld>
+            <a:endParaRPr lang="en-US"/>
+          </a:p>
+        </p:txBody>
+      </p:sp>
+    </p:spTree>
+    <p:extLst>
+      <p:ext uri="{BB962C8B-B14F-4D97-AF65-F5344CB8AC3E}">
+        <p14:creationId xmlns:p14="http://schemas.microsoft.com/office/powerpoint/2010/main" val="3494583927"/>
+      </p:ext>
+    </p:extLst>
+  </p:cSld>
+  <p:clrMapOvr>
+    <a:masterClrMapping/>
+  </p:clrMapOvr>
+</p:notes>
+</file>
+
+<file path=ppt/notesSlides/notesSlide6.xml><?xml version="1.0" encoding="utf-8"?>
+<p:notes xmlns:a="http://schemas.openxmlformats.org/drawingml/2006/main" xmlns:r="http://schemas.openxmlformats.org/officeDocument/2006/relationships" xmlns:p="http://schemas.openxmlformats.org/presentationml/2006/main">
+  <p:cSld>
+    <p:spTree>
+      <p:nvGrpSpPr>
+        <p:cNvPr id="1" name=""/>
+        <p:cNvGrpSpPr/>
+        <p:nvPr/>
+      </p:nvGrpSpPr>
+      <p:grpSpPr>
+        <a:xfrm>
+          <a:off x="0" y="0"/>
+          <a:ext cx="0" cy="0"/>
+          <a:chOff x="0" y="0"/>
+          <a:chExt cx="0" cy="0"/>
+        </a:xfrm>
+      </p:grpSpPr>
+      <p:sp>
+        <p:nvSpPr>
+          <p:cNvPr id="2" name="Slide Image Placeholder 1"/>
+          <p:cNvSpPr>
+            <a:spLocks noGrp="1" noRot="1" noChangeAspect="1"/>
+          </p:cNvSpPr>
+          <p:nvPr>
+            <p:ph type="sldImg"/>
+          </p:nvPr>
+        </p:nvSpPr>
+        <p:spPr/>
+      </p:sp>
+      <p:sp>
+        <p:nvSpPr>
+          <p:cNvPr id="3" name="Notes Placeholder 2"/>
+          <p:cNvSpPr>
+            <a:spLocks noGrp="1"/>
+          </p:cNvSpPr>
+          <p:nvPr>
+            <p:ph type="body" idx="1"/>
+          </p:nvPr>
+        </p:nvSpPr>
+        <p:spPr/>
+        <p:txBody>
+          <a:bodyPr/>
+          <a:lstStyle/>
+          <a:p>
+            <a:r>
+              <a:rPr lang="en-US" dirty="0" smtClean="0"/>
+              <a:t>Team </a:t>
+            </a:r>
+            <a:endParaRPr lang="en-US" dirty="0"/>
+          </a:p>
+        </p:txBody>
+      </p:sp>
+      <p:sp>
+        <p:nvSpPr>
+          <p:cNvPr id="4" name="Slide Number Placeholder 3"/>
+          <p:cNvSpPr>
+            <a:spLocks noGrp="1"/>
+          </p:cNvSpPr>
+          <p:nvPr>
+            <p:ph type="sldNum" sz="quarter" idx="10"/>
+          </p:nvPr>
+        </p:nvSpPr>
+        <p:spPr/>
+        <p:txBody>
+          <a:bodyPr/>
+          <a:lstStyle/>
+          <a:p>
+            <a:fld id="{84801F63-B3ED-4FF3-B4E4-048765542ABD}" type="slidenum">
+              <a:rPr lang="en-US" smtClean="0"/>
+              <a:t>6</a:t>
+            </a:fld>
+            <a:endParaRPr lang="en-US"/>
+          </a:p>
+        </p:txBody>
+      </p:sp>
+    </p:spTree>
+    <p:extLst>
+      <p:ext uri="{BB962C8B-B14F-4D97-AF65-F5344CB8AC3E}">
+        <p14:creationId xmlns:p14="http://schemas.microsoft.com/office/powerpoint/2010/main" val="3677034764"/>
+      </p:ext>
+    </p:extLst>
+  </p:cSld>
+  <p:clrMapOvr>
+    <a:masterClrMapping/>
+  </p:clrMapOvr>
+</p:notes>
 </file>
 
 <file path=ppt/slideLayouts/slideLayout1.xml><?xml version="1.0" encoding="utf-8"?>
@@ -516,7 +1406,7 @@
           <a:p>
             <a:fld id="{83284890-85D2-4D7B-8EF5-15A9C1DB8F42}" type="datetimeFigureOut">
               <a:rPr lang="en-US" dirty="0"/>
-              <a:t>1/7/2021</a:t>
+              <a:t>1/8/2021</a:t>
             </a:fld>
             <a:endParaRPr lang="en-US" dirty="0"/>
           </a:p>
@@ -691,7 +1581,7 @@
           <a:p>
             <a:fld id="{87157CC2-0FC8-4686-B024-99790E0F5162}" type="datetimeFigureOut">
               <a:rPr lang="en-US" dirty="0"/>
-              <a:t>1/7/2021</a:t>
+              <a:t>1/8/2021</a:t>
             </a:fld>
             <a:endParaRPr lang="en-US" dirty="0"/>
           </a:p>
@@ -866,7 +1756,7 @@
           <a:p>
             <a:fld id="{F6764DA5-CD3D-4590-A511-FCD3BC7A793E}" type="datetimeFigureOut">
               <a:rPr lang="en-US" dirty="0"/>
-              <a:t>1/7/2021</a:t>
+              <a:t>1/8/2021</a:t>
             </a:fld>
             <a:endParaRPr lang="en-US" dirty="0"/>
           </a:p>
@@ -1031,7 +1921,7 @@
           <a:p>
             <a:fld id="{82F5661D-6934-4B32-B92C-470368BF1EC6}" type="datetimeFigureOut">
               <a:rPr lang="en-US" dirty="0"/>
-              <a:t>1/7/2021</a:t>
+              <a:t>1/8/2021</a:t>
             </a:fld>
             <a:endParaRPr lang="en-US" dirty="0"/>
           </a:p>
@@ -1339,7 +2229,7 @@
           <a:p>
             <a:fld id="{C6F822A4-8DA6-4447-9B1F-C5DB58435268}" type="datetimeFigureOut">
               <a:rPr lang="en-US" dirty="0"/>
-              <a:t>1/7/2021</a:t>
+              <a:t>1/8/2021</a:t>
             </a:fld>
             <a:endParaRPr lang="en-US" dirty="0"/>
           </a:p>
@@ -1721,7 +2611,7 @@
           <a:p>
             <a:fld id="{E548D31E-DCDA-41A7-9C67-C4B11B94D21D}" type="datetimeFigureOut">
               <a:rPr lang="en-US" dirty="0"/>
-              <a:t>1/7/2021</a:t>
+              <a:t>1/8/2021</a:t>
             </a:fld>
             <a:endParaRPr lang="en-US" dirty="0"/>
           </a:p>
@@ -2150,7 +3040,7 @@
           <a:p>
             <a:fld id="{9B3762C0-B258-48F1-ADE6-176B4174CCDD}" type="datetimeFigureOut">
               <a:rPr lang="en-US" dirty="0"/>
-              <a:t>1/7/2021</a:t>
+              <a:t>1/8/2021</a:t>
             </a:fld>
             <a:endParaRPr lang="en-US" dirty="0"/>
           </a:p>
@@ -2263,7 +3153,7 @@
           <a:p>
             <a:fld id="{677919A6-33EB-49BD-A62F-1FA56B9F9712}" type="datetimeFigureOut">
               <a:rPr lang="en-US" dirty="0"/>
-              <a:t>1/7/2021</a:t>
+              <a:t>1/8/2021</a:t>
             </a:fld>
             <a:endParaRPr lang="en-US" dirty="0"/>
           </a:p>
@@ -2353,7 +3243,7 @@
           <a:p>
             <a:fld id="{CA4E7D1B-D673-4CF6-8672-009D42ABD2A0}" type="datetimeFigureOut">
               <a:rPr lang="en-US" dirty="0"/>
-              <a:t>1/7/2021</a:t>
+              <a:t>1/8/2021</a:t>
             </a:fld>
             <a:endParaRPr lang="en-US" dirty="0"/>
           </a:p>
@@ -2698,7 +3588,7 @@
           <a:p>
             <a:fld id="{DA16AA21-1863-4931-97CB-99D0A168701B}" type="datetimeFigureOut">
               <a:rPr lang="en-US" dirty="0"/>
-              <a:t>1/7/2021</a:t>
+              <a:t>1/8/2021</a:t>
             </a:fld>
             <a:endParaRPr lang="en-US" dirty="0"/>
           </a:p>
@@ -3118,7 +4008,7 @@
           <a:p>
             <a:fld id="{3772C379-9A7C-4C87-A116-CBE9F58B04C5}" type="datetimeFigureOut">
               <a:rPr lang="en-US" dirty="0"/>
-              <a:t>1/7/2021</a:t>
+              <a:t>1/8/2021</a:t>
             </a:fld>
             <a:endParaRPr lang="en-US" dirty="0"/>
           </a:p>
@@ -3404,7 +4294,7 @@
           <a:p>
             <a:fld id="{8664C608-40B1-4030-A28D-5B74BC98ADCE}" type="datetimeFigureOut">
               <a:rPr lang="en-US" dirty="0"/>
-              <a:t>1/7/2021</a:t>
+              <a:t>1/8/2021</a:t>
             </a:fld>
             <a:endParaRPr lang="en-US" dirty="0"/>
           </a:p>
@@ -4074,7 +4964,7 @@
           <p:nvPr/>
         </p:nvPicPr>
         <p:blipFill rotWithShape="1">
-          <a:blip r:embed="rId2">
+          <a:blip r:embed="rId3">
             <a:extLst>
               <a:ext uri="{28A0092B-C50C-407E-A947-70E740481C1C}">
                 <a14:useLocalDpi xmlns:a14="http://schemas.microsoft.com/office/drawing/2010/main" val="0"/>
@@ -4113,7 +5003,7 @@
           <p:nvPr/>
         </p:nvPicPr>
         <p:blipFill rotWithShape="1">
-          <a:blip r:embed="rId3">
+          <a:blip r:embed="rId4">
             <a:extLst>
               <a:ext uri="{28A0092B-C50C-407E-A947-70E740481C1C}">
                 <a14:useLocalDpi xmlns:a14="http://schemas.microsoft.com/office/drawing/2010/main" val="0"/>
@@ -4153,6 +5043,13 @@
   <p:clrMapOvr>
     <a:masterClrMapping/>
   </p:clrMapOvr>
+  <p:timing>
+    <p:tnLst>
+      <p:par>
+        <p:cTn id="1" dur="indefinite" restart="never" nodeType="tmRoot"/>
+      </p:par>
+    </p:tnLst>
+  </p:timing>
 </p:sld>
 </file>
 
@@ -4223,7 +5120,21 @@
                 <a:latin typeface="Calibri Light" panose="020F0302020204030204" pitchFamily="34" charset="0"/>
                 <a:cs typeface="Calibri Light" panose="020F0302020204030204" pitchFamily="34" charset="0"/>
               </a:rPr>
-              <a:t>In Addition, we wanted to let user have the option to meditate which will help the brain to relax, calm down and perform better. </a:t>
+              <a:t>In Addition, we wanted to let user have the option to meditate which will help </a:t>
+            </a:r>
+            <a:r>
+              <a:rPr lang="en-US" sz="2800" dirty="0" smtClean="0">
+                <a:latin typeface="Calibri Light" panose="020F0302020204030204" pitchFamily="34" charset="0"/>
+                <a:cs typeface="Calibri Light" panose="020F0302020204030204" pitchFamily="34" charset="0"/>
+              </a:rPr>
+              <a:t>the user relax their mind, </a:t>
+            </a:r>
+            <a:r>
+              <a:rPr lang="en-US" sz="2800" dirty="0" smtClean="0">
+                <a:latin typeface="Calibri Light" panose="020F0302020204030204" pitchFamily="34" charset="0"/>
+                <a:cs typeface="Calibri Light" panose="020F0302020204030204" pitchFamily="34" charset="0"/>
+              </a:rPr>
+              <a:t>calm down and perform better. </a:t>
             </a:r>
           </a:p>
         </p:txBody>
@@ -4281,7 +5192,7 @@
           <p:nvPr/>
         </p:nvPicPr>
         <p:blipFill rotWithShape="1">
-          <a:blip r:embed="rId2">
+          <a:blip r:embed="rId3">
             <a:extLst>
               <a:ext uri="{28A0092B-C50C-407E-A947-70E740481C1C}">
                 <a14:useLocalDpi xmlns:a14="http://schemas.microsoft.com/office/drawing/2010/main" val="0"/>
@@ -4320,7 +5231,7 @@
           <p:nvPr/>
         </p:nvPicPr>
         <p:blipFill rotWithShape="1">
-          <a:blip r:embed="rId3">
+          <a:blip r:embed="rId4">
             <a:extLst>
               <a:ext uri="{28A0092B-C50C-407E-A947-70E740481C1C}">
                 <a14:useLocalDpi xmlns:a14="http://schemas.microsoft.com/office/drawing/2010/main" val="0"/>
@@ -4360,6 +5271,13 @@
   <p:clrMapOvr>
     <a:masterClrMapping/>
   </p:clrMapOvr>
+  <p:timing>
+    <p:tnLst>
+      <p:par>
+        <p:cTn id="1" dur="indefinite" restart="never" nodeType="tmRoot"/>
+      </p:par>
+    </p:tnLst>
+  </p:timing>
 </p:sld>
 </file>
 
@@ -4498,7 +5416,7 @@
           <p:nvPr/>
         </p:nvPicPr>
         <p:blipFill rotWithShape="1">
-          <a:blip r:embed="rId2">
+          <a:blip r:embed="rId3">
             <a:extLst>
               <a:ext uri="{28A0092B-C50C-407E-A947-70E740481C1C}">
                 <a14:useLocalDpi xmlns:a14="http://schemas.microsoft.com/office/drawing/2010/main" val="0"/>
@@ -4537,7 +5455,7 @@
           <p:nvPr/>
         </p:nvPicPr>
         <p:blipFill rotWithShape="1">
-          <a:blip r:embed="rId3">
+          <a:blip r:embed="rId4">
             <a:extLst>
               <a:ext uri="{28A0092B-C50C-407E-A947-70E740481C1C}">
                 <a14:useLocalDpi xmlns:a14="http://schemas.microsoft.com/office/drawing/2010/main" val="0"/>
@@ -4604,7 +5522,7 @@
               <a:buNone/>
               <a:defRPr sz="5400" kern="1200" cap="all" baseline="0">
                 <a:blipFill>
-                  <a:blip r:embed="rId4">
+                  <a:blip r:embed="rId5">
                     <a:extLst>
                       <a:ext uri="{28A0092B-C50C-407E-A947-70E740481C1C}">
                         <a14:useLocalDpi xmlns:a14="http://schemas.microsoft.com/office/drawing/2010/main" val="0"/>
@@ -4647,6 +5565,13 @@
   <p:clrMapOvr>
     <a:masterClrMapping/>
   </p:clrMapOvr>
+  <p:timing>
+    <p:tnLst>
+      <p:par>
+        <p:cTn id="1" dur="indefinite" restart="never" nodeType="tmRoot"/>
+      </p:par>
+    </p:tnLst>
+  </p:timing>
 </p:sld>
 </file>
 
@@ -4951,7 +5876,7 @@
           <p:nvPr/>
         </p:nvPicPr>
         <p:blipFill rotWithShape="1">
-          <a:blip r:embed="rId2">
+          <a:blip r:embed="rId3">
             <a:extLst>
               <a:ext uri="{28A0092B-C50C-407E-A947-70E740481C1C}">
                 <a14:useLocalDpi xmlns:a14="http://schemas.microsoft.com/office/drawing/2010/main" val="0"/>
@@ -4990,7 +5915,7 @@
           <p:nvPr/>
         </p:nvPicPr>
         <p:blipFill rotWithShape="1">
-          <a:blip r:embed="rId3">
+          <a:blip r:embed="rId4">
             <a:extLst>
               <a:ext uri="{28A0092B-C50C-407E-A947-70E740481C1C}">
                 <a14:useLocalDpi xmlns:a14="http://schemas.microsoft.com/office/drawing/2010/main" val="0"/>
@@ -5030,6 +5955,13 @@
   <p:clrMapOvr>
     <a:masterClrMapping/>
   </p:clrMapOvr>
+  <p:timing>
+    <p:tnLst>
+      <p:par>
+        <p:cTn id="1" dur="indefinite" restart="never" nodeType="tmRoot"/>
+      </p:par>
+    </p:tnLst>
+  </p:timing>
 </p:sld>
 </file>
 
@@ -5120,7 +6052,7 @@
           <p:nvPr/>
         </p:nvPicPr>
         <p:blipFill rotWithShape="1">
-          <a:blip r:embed="rId2">
+          <a:blip r:embed="rId3">
             <a:extLst>
               <a:ext uri="{28A0092B-C50C-407E-A947-70E740481C1C}">
                 <a14:useLocalDpi xmlns:a14="http://schemas.microsoft.com/office/drawing/2010/main" val="0"/>
@@ -5159,7 +6091,7 @@
           <p:nvPr/>
         </p:nvPicPr>
         <p:blipFill rotWithShape="1">
-          <a:blip r:embed="rId3">
+          <a:blip r:embed="rId4">
             <a:extLst>
               <a:ext uri="{28A0092B-C50C-407E-A947-70E740481C1C}">
                 <a14:useLocalDpi xmlns:a14="http://schemas.microsoft.com/office/drawing/2010/main" val="0"/>
@@ -5198,7 +6130,7 @@
           <p:nvPr/>
         </p:nvPicPr>
         <p:blipFill>
-          <a:blip r:embed="rId4"/>
+          <a:blip r:embed="rId5"/>
           <a:stretch>
             <a:fillRect/>
           </a:stretch>
@@ -5227,7 +6159,7 @@
           <p:nvPr/>
         </p:nvPicPr>
         <p:blipFill rotWithShape="1">
-          <a:blip r:embed="rId5"/>
+          <a:blip r:embed="rId6"/>
           <a:srcRect b="27890"/>
           <a:stretch/>
         </p:blipFill>
@@ -5255,7 +6187,7 @@
           <p:nvPr/>
         </p:nvPicPr>
         <p:blipFill>
-          <a:blip r:embed="rId6"/>
+          <a:blip r:embed="rId7"/>
           <a:stretch>
             <a:fillRect/>
           </a:stretch>
@@ -5284,7 +6216,7 @@
           <p:nvPr/>
         </p:nvPicPr>
         <p:blipFill>
-          <a:blip r:embed="rId7"/>
+          <a:blip r:embed="rId8"/>
           <a:stretch>
             <a:fillRect/>
           </a:stretch>
@@ -5474,7 +6406,7 @@
           <p:nvPr/>
         </p:nvPicPr>
         <p:blipFill rotWithShape="1">
-          <a:blip r:embed="rId2">
+          <a:blip r:embed="rId3">
             <a:extLst>
               <a:ext uri="{28A0092B-C50C-407E-A947-70E740481C1C}">
                 <a14:useLocalDpi xmlns:a14="http://schemas.microsoft.com/office/drawing/2010/main" val="0"/>
@@ -5513,7 +6445,7 @@
           <p:nvPr/>
         </p:nvPicPr>
         <p:blipFill rotWithShape="1">
-          <a:blip r:embed="rId3">
+          <a:blip r:embed="rId4">
             <a:extLst>
               <a:ext uri="{28A0092B-C50C-407E-A947-70E740481C1C}">
                 <a14:useLocalDpi xmlns:a14="http://schemas.microsoft.com/office/drawing/2010/main" val="0"/>
@@ -5649,7 +6581,6 @@
               <a:rPr lang="en-US" sz="2400" dirty="0"/>
               <a:t>: https://github.com/simk2020/Project2.git</a:t>
             </a:r>
-            <a:endParaRPr lang="en-US" sz="2400" dirty="0"/>
           </a:p>
           <a:p>
             <a:pPr lvl="1"/>
@@ -6040,4 +6971,265 @@
     </a:ext>
   </a:extLst>
 </a:theme>
+</file>
+
+<file path=ppt/theme/theme2.xml><?xml version="1.0" encoding="utf-8"?>
+<a:theme xmlns:a="http://schemas.openxmlformats.org/drawingml/2006/main" name="Office Theme">
+  <a:themeElements>
+    <a:clrScheme name="Office">
+      <a:dk1>
+        <a:sysClr val="windowText" lastClr="000000"/>
+      </a:dk1>
+      <a:lt1>
+        <a:sysClr val="window" lastClr="FFFFFF"/>
+      </a:lt1>
+      <a:dk2>
+        <a:srgbClr val="44546A"/>
+      </a:dk2>
+      <a:lt2>
+        <a:srgbClr val="E7E6E6"/>
+      </a:lt2>
+      <a:accent1>
+        <a:srgbClr val="5B9BD5"/>
+      </a:accent1>
+      <a:accent2>
+        <a:srgbClr val="ED7D31"/>
+      </a:accent2>
+      <a:accent3>
+        <a:srgbClr val="A5A5A5"/>
+      </a:accent3>
+      <a:accent4>
+        <a:srgbClr val="FFC000"/>
+      </a:accent4>
+      <a:accent5>
+        <a:srgbClr val="4472C4"/>
+      </a:accent5>
+      <a:accent6>
+        <a:srgbClr val="70AD47"/>
+      </a:accent6>
+      <a:hlink>
+        <a:srgbClr val="0563C1"/>
+      </a:hlink>
+      <a:folHlink>
+        <a:srgbClr val="954F72"/>
+      </a:folHlink>
+    </a:clrScheme>
+    <a:fontScheme name="Office">
+      <a:majorFont>
+        <a:latin typeface="Calibri Light" panose="020F0302020204030204"/>
+        <a:ea typeface=""/>
+        <a:cs typeface=""/>
+        <a:font script="Jpan" typeface="ＭＳ Ｐゴシック"/>
+        <a:font script="Hang" typeface="맑은 고딕"/>
+        <a:font script="Hans" typeface="宋体"/>
+        <a:font script="Hant" typeface="新細明體"/>
+        <a:font script="Arab" typeface="Times New Roman"/>
+        <a:font script="Hebr" typeface="Times New Roman"/>
+        <a:font script="Thai" typeface="Angsana New"/>
+        <a:font script="Ethi" typeface="Nyala"/>
+        <a:font script="Beng" typeface="Vrinda"/>
+        <a:font script="Gujr" typeface="Shruti"/>
+        <a:font script="Khmr" typeface="MoolBoran"/>
+        <a:font script="Knda" typeface="Tunga"/>
+        <a:font script="Guru" typeface="Raavi"/>
+        <a:font script="Cans" typeface="Euphemia"/>
+        <a:font script="Cher" typeface="Plantagenet Cherokee"/>
+        <a:font script="Yiii" typeface="Microsoft Yi Baiti"/>
+        <a:font script="Tibt" typeface="Microsoft Himalaya"/>
+        <a:font script="Thaa" typeface="MV Boli"/>
+        <a:font script="Deva" typeface="Mangal"/>
+        <a:font script="Telu" typeface="Gautami"/>
+        <a:font script="Taml" typeface="Latha"/>
+        <a:font script="Syrc" typeface="Estrangelo Edessa"/>
+        <a:font script="Orya" typeface="Kalinga"/>
+        <a:font script="Mlym" typeface="Kartika"/>
+        <a:font script="Laoo" typeface="DokChampa"/>
+        <a:font script="Sinh" typeface="Iskoola Pota"/>
+        <a:font script="Mong" typeface="Mongolian Baiti"/>
+        <a:font script="Viet" typeface="Times New Roman"/>
+        <a:font script="Uigh" typeface="Microsoft Uighur"/>
+        <a:font script="Geor" typeface="Sylfaen"/>
+      </a:majorFont>
+      <a:minorFont>
+        <a:latin typeface="Calibri" panose="020F0502020204030204"/>
+        <a:ea typeface=""/>
+        <a:cs typeface=""/>
+        <a:font script="Jpan" typeface="ＭＳ Ｐゴシック"/>
+        <a:font script="Hang" typeface="맑은 고딕"/>
+        <a:font script="Hans" typeface="宋体"/>
+        <a:font script="Hant" typeface="新細明體"/>
+        <a:font script="Arab" typeface="Arial"/>
+        <a:font script="Hebr" typeface="Arial"/>
+        <a:font script="Thai" typeface="Cordia New"/>
+        <a:font script="Ethi" typeface="Nyala"/>
+        <a:font script="Beng" typeface="Vrinda"/>
+        <a:font script="Gujr" typeface="Shruti"/>
+        <a:font script="Khmr" typeface="DaunPenh"/>
+        <a:font script="Knda" typeface="Tunga"/>
+        <a:font script="Guru" typeface="Raavi"/>
+        <a:font script="Cans" typeface="Euphemia"/>
+        <a:font script="Cher" typeface="Plantagenet Cherokee"/>
+        <a:font script="Yiii" typeface="Microsoft Yi Baiti"/>
+        <a:font script="Tibt" typeface="Microsoft Himalaya"/>
+        <a:font script="Thaa" typeface="MV Boli"/>
+        <a:font script="Deva" typeface="Mangal"/>
+        <a:font script="Telu" typeface="Gautami"/>
+        <a:font script="Taml" typeface="Latha"/>
+        <a:font script="Syrc" typeface="Estrangelo Edessa"/>
+        <a:font script="Orya" typeface="Kalinga"/>
+        <a:font script="Mlym" typeface="Kartika"/>
+        <a:font script="Laoo" typeface="DokChampa"/>
+        <a:font script="Sinh" typeface="Iskoola Pota"/>
+        <a:font script="Mong" typeface="Mongolian Baiti"/>
+        <a:font script="Viet" typeface="Arial"/>
+        <a:font script="Uigh" typeface="Microsoft Uighur"/>
+        <a:font script="Geor" typeface="Sylfaen"/>
+      </a:minorFont>
+    </a:fontScheme>
+    <a:fmtScheme name="Office">
+      <a:fillStyleLst>
+        <a:solidFill>
+          <a:schemeClr val="phClr"/>
+        </a:solidFill>
+        <a:gradFill rotWithShape="1">
+          <a:gsLst>
+            <a:gs pos="0">
+              <a:schemeClr val="phClr">
+                <a:lumMod val="110000"/>
+                <a:satMod val="105000"/>
+                <a:tint val="67000"/>
+              </a:schemeClr>
+            </a:gs>
+            <a:gs pos="50000">
+              <a:schemeClr val="phClr">
+                <a:lumMod val="105000"/>
+                <a:satMod val="103000"/>
+                <a:tint val="73000"/>
+              </a:schemeClr>
+            </a:gs>
+            <a:gs pos="100000">
+              <a:schemeClr val="phClr">
+                <a:lumMod val="105000"/>
+                <a:satMod val="109000"/>
+                <a:tint val="81000"/>
+              </a:schemeClr>
+            </a:gs>
+          </a:gsLst>
+          <a:lin ang="5400000" scaled="0"/>
+        </a:gradFill>
+        <a:gradFill rotWithShape="1">
+          <a:gsLst>
+            <a:gs pos="0">
+              <a:schemeClr val="phClr">
+                <a:satMod val="103000"/>
+                <a:lumMod val="102000"/>
+                <a:tint val="94000"/>
+              </a:schemeClr>
+            </a:gs>
+            <a:gs pos="50000">
+              <a:schemeClr val="phClr">
+                <a:satMod val="110000"/>
+                <a:lumMod val="100000"/>
+                <a:shade val="100000"/>
+              </a:schemeClr>
+            </a:gs>
+            <a:gs pos="100000">
+              <a:schemeClr val="phClr">
+                <a:lumMod val="99000"/>
+                <a:satMod val="120000"/>
+                <a:shade val="78000"/>
+              </a:schemeClr>
+            </a:gs>
+          </a:gsLst>
+          <a:lin ang="5400000" scaled="0"/>
+        </a:gradFill>
+      </a:fillStyleLst>
+      <a:lnStyleLst>
+        <a:ln w="6350" cap="flat" cmpd="sng" algn="ctr">
+          <a:solidFill>
+            <a:schemeClr val="phClr"/>
+          </a:solidFill>
+          <a:prstDash val="solid"/>
+          <a:miter lim="800000"/>
+        </a:ln>
+        <a:ln w="12700" cap="flat" cmpd="sng" algn="ctr">
+          <a:solidFill>
+            <a:schemeClr val="phClr"/>
+          </a:solidFill>
+          <a:prstDash val="solid"/>
+          <a:miter lim="800000"/>
+        </a:ln>
+        <a:ln w="19050" cap="flat" cmpd="sng" algn="ctr">
+          <a:solidFill>
+            <a:schemeClr val="phClr"/>
+          </a:solidFill>
+          <a:prstDash val="solid"/>
+          <a:miter lim="800000"/>
+        </a:ln>
+      </a:lnStyleLst>
+      <a:effectStyleLst>
+        <a:effectStyle>
+          <a:effectLst/>
+        </a:effectStyle>
+        <a:effectStyle>
+          <a:effectLst/>
+        </a:effectStyle>
+        <a:effectStyle>
+          <a:effectLst>
+            <a:outerShdw blurRad="57150" dist="19050" dir="5400000" algn="ctr" rotWithShape="0">
+              <a:srgbClr val="000000">
+                <a:alpha val="63000"/>
+              </a:srgbClr>
+            </a:outerShdw>
+          </a:effectLst>
+        </a:effectStyle>
+      </a:effectStyleLst>
+      <a:bgFillStyleLst>
+        <a:solidFill>
+          <a:schemeClr val="phClr"/>
+        </a:solidFill>
+        <a:solidFill>
+          <a:schemeClr val="phClr">
+            <a:tint val="95000"/>
+            <a:satMod val="170000"/>
+          </a:schemeClr>
+        </a:solidFill>
+        <a:gradFill rotWithShape="1">
+          <a:gsLst>
+            <a:gs pos="0">
+              <a:schemeClr val="phClr">
+                <a:tint val="93000"/>
+                <a:satMod val="150000"/>
+                <a:shade val="98000"/>
+                <a:lumMod val="102000"/>
+              </a:schemeClr>
+            </a:gs>
+            <a:gs pos="50000">
+              <a:schemeClr val="phClr">
+                <a:tint val="98000"/>
+                <a:satMod val="130000"/>
+                <a:shade val="90000"/>
+                <a:lumMod val="103000"/>
+              </a:schemeClr>
+            </a:gs>
+            <a:gs pos="100000">
+              <a:schemeClr val="phClr">
+                <a:shade val="63000"/>
+                <a:satMod val="120000"/>
+              </a:schemeClr>
+            </a:gs>
+          </a:gsLst>
+          <a:lin ang="5400000" scaled="0"/>
+        </a:gradFill>
+      </a:bgFillStyleLst>
+    </a:fmtScheme>
+  </a:themeElements>
+  <a:objectDefaults/>
+  <a:extraClrSchemeLst/>
+  <a:extLst>
+    <a:ext uri="{05A4C25C-085E-4340-85A3-A5531E510DB2}">
+      <thm15:themeFamily xmlns:thm15="http://schemas.microsoft.com/office/thememl/2012/main" name="Office Theme" id="{62F939B6-93AF-4DB8-9C6B-D6C7DFDC589F}" vid="{4A3C46E8-61CC-4603-A589-7422A47A8E4A}"/>
+    </a:ext>
+  </a:extLst>
+</a:theme>
 </file>